--- a/user-interface/week3/UI_Mental Model_김지섭.pptx
+++ b/user-interface/week3/UI_Mental Model_김지섭.pptx
@@ -208,7 +208,7 @@
           <a:p>
             <a:fld id="{9024ABAB-1F3F-C141-8647-A5A2AE857671}" type="datetimeFigureOut">
               <a:rPr kumimoji="1" lang="ko-Kore-KR" altLang="en-US" smtClean="0"/>
-              <a:t>2021. 9. 25.</a:t>
+              <a:t>2021. 9. 28.</a:t>
             </a:fld>
             <a:endParaRPr kumimoji="1" lang="ko-Kore-KR" altLang="en-US"/>
           </a:p>
@@ -1780,7 +1780,7 @@
           <a:p>
             <a:fld id="{597081DE-BF23-6B49-AB51-FB0F9951FBA6}" type="datetime1">
               <a:rPr kumimoji="1" lang="ko-KR" altLang="en-US" smtClean="0"/>
-              <a:t>2021. 9. 25.</a:t>
+              <a:t>2021. 9. 28.</a:t>
             </a:fld>
             <a:endParaRPr kumimoji="1" lang="ko-Kore-KR" altLang="en-US"/>
           </a:p>
@@ -2029,7 +2029,7 @@
           <a:p>
             <a:fld id="{BF29E77A-4A74-CD46-A74A-0C613D5D453D}" type="datetime1">
               <a:rPr kumimoji="1" lang="ko-KR" altLang="en-US" smtClean="0"/>
-              <a:t>2021. 9. 25.</a:t>
+              <a:t>2021. 9. 28.</a:t>
             </a:fld>
             <a:endParaRPr kumimoji="1" lang="ko-Kore-KR" altLang="en-US"/>
           </a:p>
@@ -2239,7 +2239,7 @@
           <a:p>
             <a:fld id="{27CA6013-B14F-0945-A6AA-B0CC3A524783}" type="datetime1">
               <a:rPr kumimoji="1" lang="ko-KR" altLang="en-US" smtClean="0"/>
-              <a:t>2021. 9. 25.</a:t>
+              <a:t>2021. 9. 28.</a:t>
             </a:fld>
             <a:endParaRPr kumimoji="1" lang="ko-Kore-KR" altLang="en-US"/>
           </a:p>
@@ -2489,7 +2489,7 @@
           <a:p>
             <a:fld id="{687E0E20-5298-8648-9C21-DF4145F3BB30}" type="datetime1">
               <a:rPr kumimoji="1" lang="ko-KR" altLang="en-US" smtClean="0"/>
-              <a:t>2021. 9. 25.</a:t>
+              <a:t>2021. 9. 28.</a:t>
             </a:fld>
             <a:endParaRPr kumimoji="1" lang="ko-Kore-KR" altLang="en-US"/>
           </a:p>
@@ -2861,7 +2861,7 @@
           <a:p>
             <a:fld id="{60883C88-FBFF-A943-B802-8D4EFF56D8F6}" type="datetime1">
               <a:rPr kumimoji="1" lang="ko-KR" altLang="en-US" smtClean="0"/>
-              <a:t>2021. 9. 25.</a:t>
+              <a:t>2021. 9. 28.</a:t>
             </a:fld>
             <a:endParaRPr kumimoji="1" lang="ko-Kore-KR" altLang="en-US"/>
           </a:p>
@@ -3178,7 +3178,7 @@
           <a:p>
             <a:fld id="{E4D9D4BC-CA3B-DF43-8979-C6984C533EC5}" type="datetime1">
               <a:rPr kumimoji="1" lang="ko-KR" altLang="en-US" smtClean="0"/>
-              <a:t>2021. 9. 25.</a:t>
+              <a:t>2021. 9. 28.</a:t>
             </a:fld>
             <a:endParaRPr kumimoji="1" lang="ko-Kore-KR" altLang="en-US"/>
           </a:p>
@@ -3593,7 +3593,7 @@
           <a:p>
             <a:fld id="{67277162-A6E0-CA4D-87DD-0D05F2DEC56C}" type="datetime1">
               <a:rPr kumimoji="1" lang="ko-KR" altLang="en-US" smtClean="0"/>
-              <a:t>2021. 9. 25.</a:t>
+              <a:t>2021. 9. 28.</a:t>
             </a:fld>
             <a:endParaRPr kumimoji="1" lang="ko-Kore-KR" altLang="en-US"/>
           </a:p>
@@ -3735,7 +3735,7 @@
           <a:p>
             <a:fld id="{95BAE806-5CF4-6B4A-84E0-6C155FDB6198}" type="datetime1">
               <a:rPr kumimoji="1" lang="ko-KR" altLang="en-US" smtClean="0"/>
-              <a:t>2021. 9. 25.</a:t>
+              <a:t>2021. 9. 28.</a:t>
             </a:fld>
             <a:endParaRPr kumimoji="1" lang="ko-Kore-KR" altLang="en-US"/>
           </a:p>
@@ -3848,7 +3848,7 @@
           <a:p>
             <a:fld id="{4F64AA89-B97E-5944-9DAC-857E6AC17A1A}" type="datetime1">
               <a:rPr kumimoji="1" lang="ko-KR" altLang="en-US" smtClean="0"/>
-              <a:t>2021. 9. 25.</a:t>
+              <a:t>2021. 9. 28.</a:t>
             </a:fld>
             <a:endParaRPr kumimoji="1" lang="ko-Kore-KR" altLang="en-US"/>
           </a:p>
@@ -4161,7 +4161,7 @@
           <a:p>
             <a:fld id="{7ECBF51C-F943-8A48-85E0-7466E0D07958}" type="datetime1">
               <a:rPr kumimoji="1" lang="ko-KR" altLang="en-US" smtClean="0"/>
-              <a:t>2021. 9. 25.</a:t>
+              <a:t>2021. 9. 28.</a:t>
             </a:fld>
             <a:endParaRPr kumimoji="1" lang="ko-Kore-KR" altLang="en-US"/>
           </a:p>
@@ -4450,7 +4450,7 @@
           <a:p>
             <a:fld id="{3D978A9A-E695-0146-ACF0-9F8DB845FA3F}" type="datetime1">
               <a:rPr kumimoji="1" lang="ko-KR" altLang="en-US" smtClean="0"/>
-              <a:t>2021. 9. 25.</a:t>
+              <a:t>2021. 9. 28.</a:t>
             </a:fld>
             <a:endParaRPr kumimoji="1" lang="ko-Kore-KR" altLang="en-US"/>
           </a:p>
@@ -4693,7 +4693,7 @@
           <a:p>
             <a:fld id="{6AF3BFC3-1857-BA4C-9FA0-FE06D24A6D92}" type="datetime1">
               <a:rPr kumimoji="1" lang="ko-KR" altLang="en-US" smtClean="0"/>
-              <a:t>2021. 9. 25.</a:t>
+              <a:t>2021. 9. 28.</a:t>
             </a:fld>
             <a:endParaRPr kumimoji="1" lang="ko-Kore-KR" altLang="en-US"/>
           </a:p>
@@ -5786,7 +5786,6 @@
                 <a:rPr kumimoji="1" lang="en-US" altLang="ko-KR" sz="1600" dirty="0"/>
                 <a:t>.</a:t>
               </a:r>
-              <a:endParaRPr kumimoji="1" lang="ko-Kore-KR" altLang="en-US" sz="1600" dirty="0"/>
             </a:p>
           </p:txBody>
         </p:sp>
@@ -6469,6 +6468,28 @@
               <a:r>
                 <a:rPr kumimoji="1" lang="ko-KR" altLang="en-US" sz="1600" dirty="0"/>
                 <a:t> 피벗 테이블에 존재하는 데이터 인지 알 수 있다</a:t>
+              </a:r>
+              <a:r>
+                <a:rPr kumimoji="1" lang="en-US" altLang="ko-KR" sz="1600" dirty="0"/>
+                <a:t>.</a:t>
+              </a:r>
+            </a:p>
+            <a:p>
+              <a:pPr marL="285750" indent="-285750">
+                <a:buFontTx/>
+                <a:buChar char="-"/>
+              </a:pPr>
+              <a:r>
+                <a:rPr kumimoji="1" lang="ko-KR" altLang="en-US" sz="1600" dirty="0"/>
+                <a:t>엑셀엔 다양한 디자인 요소가 있는데 </a:t>
+              </a:r>
+              <a:r>
+                <a:rPr kumimoji="1" lang="ko-KR" altLang="en-US" sz="1600" dirty="0" err="1"/>
+                <a:t>슬라이서에</a:t>
+              </a:r>
+              <a:r>
+                <a:rPr kumimoji="1" lang="ko-KR" altLang="en-US" sz="1600" dirty="0"/>
+                <a:t> 적용 가능한 옵션에는 무엇이 있을지 궁금할 것이다</a:t>
               </a:r>
               <a:r>
                 <a:rPr kumimoji="1" lang="en-US" altLang="ko-KR" sz="1600" dirty="0"/>
@@ -9275,6 +9296,36 @@
               <a:r>
                 <a:rPr kumimoji="1" lang="ko-KR" altLang="en-US" sz="1600" dirty="0"/>
                 <a:t> 원하는 데이터만으로 구성된 피벗 테이블을 확인 할 수 있다</a:t>
+              </a:r>
+              <a:r>
+                <a:rPr kumimoji="1" lang="en-US" altLang="ko-KR" sz="1600" dirty="0"/>
+                <a:t>.</a:t>
+              </a:r>
+            </a:p>
+            <a:p>
+              <a:pPr marL="285750" indent="-285750">
+                <a:buFontTx/>
+                <a:buChar char="-"/>
+              </a:pPr>
+              <a:r>
+                <a:rPr kumimoji="1" lang="ko-KR" altLang="en-US" sz="1600" dirty="0"/>
+                <a:t>용도를 알았으니</a:t>
+              </a:r>
+              <a:r>
+                <a:rPr kumimoji="1" lang="en-US" altLang="ko-KR" sz="1600" dirty="0"/>
+                <a:t>,</a:t>
+              </a:r>
+              <a:r>
+                <a:rPr kumimoji="1" lang="ko-KR" altLang="en-US" sz="1600" dirty="0"/>
+                <a:t> </a:t>
+              </a:r>
+              <a:r>
+                <a:rPr kumimoji="1" lang="ko-KR" altLang="en-US" sz="1600" dirty="0" err="1"/>
+                <a:t>슬라이서의</a:t>
+              </a:r>
+              <a:r>
+                <a:rPr kumimoji="1" lang="ko-KR" altLang="en-US" sz="1600" dirty="0"/>
+                <a:t> 사용방법에 대해 궁금할 것이다</a:t>
               </a:r>
               <a:r>
                 <a:rPr kumimoji="1" lang="en-US" altLang="ko-KR" sz="1600" dirty="0"/>
@@ -13159,9 +13210,30 @@
               </a:r>
               <a:r>
                 <a:rPr kumimoji="1" lang="ko-KR" altLang="en-US" sz="1600" dirty="0"/>
-                <a:t> 선택하기 위한 경로</a:t>
-              </a:r>
-              <a:endParaRPr kumimoji="1" lang="en-US" altLang="ko-KR" sz="1600" dirty="0"/>
+                <a:t> 선택하기 위한 경로를 알았다</a:t>
+              </a:r>
+              <a:r>
+                <a:rPr kumimoji="1" lang="en-US" altLang="ko-KR" sz="1600" dirty="0"/>
+                <a:t>.</a:t>
+              </a:r>
+            </a:p>
+            <a:p>
+              <a:pPr marL="285750" indent="-285750">
+                <a:buFontTx/>
+                <a:buChar char="-"/>
+              </a:pPr>
+              <a:r>
+                <a:rPr kumimoji="1" lang="ko-KR" altLang="en-US" sz="1600" dirty="0" err="1"/>
+                <a:t>슬라이서</a:t>
+              </a:r>
+              <a:r>
+                <a:rPr kumimoji="1" lang="ko-KR" altLang="en-US" sz="1600" dirty="0"/>
+                <a:t> 삽입 이후 활용 방법에 대해 궁금해 할 것이다</a:t>
+              </a:r>
+              <a:r>
+                <a:rPr kumimoji="1" lang="en-US" altLang="ko-KR" sz="1600" dirty="0"/>
+                <a:t>.</a:t>
+              </a:r>
             </a:p>
           </p:txBody>
         </p:sp>

--- a/user-interface/week3/UI_Mental Model_김지섭.pptx
+++ b/user-interface/week3/UI_Mental Model_김지섭.pptx
@@ -1220,7 +1220,7 @@
           <a:p>
             <a:r>
               <a:rPr kumimoji="1" lang="ko-KR" altLang="en-US" dirty="0"/>
-              <a:t>하지만 모르는 사람을 위해 만드는 방법은 서술</a:t>
+              <a:t>하지만 모르는 사람을 위해 만드는 방법과 간단한 뜻을 서술</a:t>
             </a:r>
             <a:endParaRPr kumimoji="1" lang="en-US" altLang="ko-KR" dirty="0"/>
           </a:p>
@@ -5938,84 +5938,6 @@
           </a:p>
         </p:txBody>
       </p:sp>
-      <p:sp>
-        <p:nvSpPr>
-          <p:cNvPr id="64" name="TextBox 63">
-            <a:extLst>
-              <a:ext uri="{FF2B5EF4-FFF2-40B4-BE49-F238E27FC236}">
-                <a16:creationId xmlns:a16="http://schemas.microsoft.com/office/drawing/2014/main" id="{92F7C2F8-28B7-E040-8F08-463F8028DDE5}"/>
-              </a:ext>
-            </a:extLst>
-          </p:cNvPr>
-          <p:cNvSpPr txBox="1"/>
-          <p:nvPr/>
-        </p:nvSpPr>
-        <p:spPr>
-          <a:xfrm>
-            <a:off x="7976812" y="4934418"/>
-            <a:ext cx="3498073" cy="307777"/>
-          </a:xfrm>
-          <a:prstGeom prst="rect">
-            <a:avLst/>
-          </a:prstGeom>
-          <a:noFill/>
-        </p:spPr>
-        <p:txBody>
-          <a:bodyPr wrap="none" rtlCol="0">
-            <a:spAutoFit/>
-          </a:bodyPr>
-          <a:lstStyle/>
-          <a:p>
-            <a:pPr marL="285750" indent="-285750">
-              <a:buFont typeface="시스템 서체 일반체"/>
-              <a:buChar char="※"/>
-            </a:pPr>
-            <a:r>
-              <a:rPr kumimoji="1" lang="ko-KR" altLang="en-US" sz="1400" dirty="0">
-                <a:latin typeface="+mn-ea"/>
-              </a:rPr>
-              <a:t>단축키는 </a:t>
-            </a:r>
-            <a:r>
-              <a:rPr kumimoji="1" lang="en-US" altLang="ko-KR" sz="1400" dirty="0">
-                <a:latin typeface="+mn-ea"/>
-              </a:rPr>
-              <a:t>Mac</a:t>
-            </a:r>
-            <a:r>
-              <a:rPr kumimoji="1" lang="ko-KR" altLang="en-US" sz="1400" dirty="0">
-                <a:latin typeface="+mn-ea"/>
-              </a:rPr>
-              <a:t> </a:t>
-            </a:r>
-            <a:r>
-              <a:rPr kumimoji="1" lang="en-US" altLang="ko-KR" sz="1400" dirty="0">
-                <a:latin typeface="+mn-ea"/>
-              </a:rPr>
-              <a:t>OS</a:t>
-            </a:r>
-            <a:r>
-              <a:rPr kumimoji="1" lang="ko-KR" altLang="en-US" sz="1400" dirty="0" err="1">
-                <a:latin typeface="+mn-ea"/>
-              </a:rPr>
-              <a:t>를</a:t>
-            </a:r>
-            <a:r>
-              <a:rPr kumimoji="1" lang="ko-KR" altLang="en-US" sz="1400" dirty="0">
-                <a:latin typeface="+mn-ea"/>
-              </a:rPr>
-              <a:t> 기준으로 합니다</a:t>
-            </a:r>
-            <a:r>
-              <a:rPr kumimoji="1" lang="en-US" altLang="ko-KR" sz="1400" dirty="0">
-                <a:latin typeface="+mn-ea"/>
-              </a:rPr>
-              <a:t>.</a:t>
-            </a:r>
-            <a:endParaRPr kumimoji="1" lang="ko-Kore-KR" altLang="en-US" sz="1400" dirty="0"/>
-          </a:p>
-        </p:txBody>
-      </p:sp>
       <p:pic>
         <p:nvPicPr>
           <p:cNvPr id="28" name="그림 27" descr="테이블이(가) 표시된 사진&#10;&#10;자동 생성된 설명">
@@ -6749,84 +6671,6 @@
       </p:sp>
       <p:sp>
         <p:nvSpPr>
-          <p:cNvPr id="64" name="TextBox 63">
-            <a:extLst>
-              <a:ext uri="{FF2B5EF4-FFF2-40B4-BE49-F238E27FC236}">
-                <a16:creationId xmlns:a16="http://schemas.microsoft.com/office/drawing/2014/main" id="{92F7C2F8-28B7-E040-8F08-463F8028DDE5}"/>
-              </a:ext>
-            </a:extLst>
-          </p:cNvPr>
-          <p:cNvSpPr txBox="1"/>
-          <p:nvPr/>
-        </p:nvSpPr>
-        <p:spPr>
-          <a:xfrm>
-            <a:off x="7976812" y="4934418"/>
-            <a:ext cx="3498073" cy="307777"/>
-          </a:xfrm>
-          <a:prstGeom prst="rect">
-            <a:avLst/>
-          </a:prstGeom>
-          <a:noFill/>
-        </p:spPr>
-        <p:txBody>
-          <a:bodyPr wrap="none" rtlCol="0">
-            <a:spAutoFit/>
-          </a:bodyPr>
-          <a:lstStyle/>
-          <a:p>
-            <a:pPr marL="285750" indent="-285750">
-              <a:buFont typeface="시스템 서체 일반체"/>
-              <a:buChar char="※"/>
-            </a:pPr>
-            <a:r>
-              <a:rPr kumimoji="1" lang="ko-KR" altLang="en-US" sz="1400" dirty="0">
-                <a:latin typeface="+mn-ea"/>
-              </a:rPr>
-              <a:t>단축키는 </a:t>
-            </a:r>
-            <a:r>
-              <a:rPr kumimoji="1" lang="en-US" altLang="ko-KR" sz="1400" dirty="0">
-                <a:latin typeface="+mn-ea"/>
-              </a:rPr>
-              <a:t>Mac</a:t>
-            </a:r>
-            <a:r>
-              <a:rPr kumimoji="1" lang="ko-KR" altLang="en-US" sz="1400" dirty="0">
-                <a:latin typeface="+mn-ea"/>
-              </a:rPr>
-              <a:t> </a:t>
-            </a:r>
-            <a:r>
-              <a:rPr kumimoji="1" lang="en-US" altLang="ko-KR" sz="1400" dirty="0">
-                <a:latin typeface="+mn-ea"/>
-              </a:rPr>
-              <a:t>OS</a:t>
-            </a:r>
-            <a:r>
-              <a:rPr kumimoji="1" lang="ko-KR" altLang="en-US" sz="1400" dirty="0" err="1">
-                <a:latin typeface="+mn-ea"/>
-              </a:rPr>
-              <a:t>를</a:t>
-            </a:r>
-            <a:r>
-              <a:rPr kumimoji="1" lang="ko-KR" altLang="en-US" sz="1400" dirty="0">
-                <a:latin typeface="+mn-ea"/>
-              </a:rPr>
-              <a:t> 기준으로 합니다</a:t>
-            </a:r>
-            <a:r>
-              <a:rPr kumimoji="1" lang="en-US" altLang="ko-KR" sz="1400" dirty="0">
-                <a:latin typeface="+mn-ea"/>
-              </a:rPr>
-              <a:t>.</a:t>
-            </a:r>
-            <a:endParaRPr kumimoji="1" lang="ko-Kore-KR" altLang="en-US" sz="1400" dirty="0"/>
-          </a:p>
-        </p:txBody>
-      </p:sp>
-      <p:sp>
-        <p:nvSpPr>
           <p:cNvPr id="22" name="직사각형 21">
             <a:extLst>
               <a:ext uri="{FF2B5EF4-FFF2-40B4-BE49-F238E27FC236}">
@@ -7399,84 +7243,6 @@
             <a:endParaRPr kumimoji="1" lang="ko-Kore-KR" altLang="en-US" b="1" dirty="0">
               <a:latin typeface="+mj-ea"/>
             </a:endParaRPr>
-          </a:p>
-        </p:txBody>
-      </p:sp>
-      <p:sp>
-        <p:nvSpPr>
-          <p:cNvPr id="64" name="TextBox 63">
-            <a:extLst>
-              <a:ext uri="{FF2B5EF4-FFF2-40B4-BE49-F238E27FC236}">
-                <a16:creationId xmlns:a16="http://schemas.microsoft.com/office/drawing/2014/main" id="{92F7C2F8-28B7-E040-8F08-463F8028DDE5}"/>
-              </a:ext>
-            </a:extLst>
-          </p:cNvPr>
-          <p:cNvSpPr txBox="1"/>
-          <p:nvPr/>
-        </p:nvSpPr>
-        <p:spPr>
-          <a:xfrm>
-            <a:off x="7976812" y="4934418"/>
-            <a:ext cx="3498073" cy="307777"/>
-          </a:xfrm>
-          <a:prstGeom prst="rect">
-            <a:avLst/>
-          </a:prstGeom>
-          <a:noFill/>
-        </p:spPr>
-        <p:txBody>
-          <a:bodyPr wrap="none" rtlCol="0">
-            <a:spAutoFit/>
-          </a:bodyPr>
-          <a:lstStyle/>
-          <a:p>
-            <a:pPr marL="285750" indent="-285750">
-              <a:buFont typeface="시스템 서체 일반체"/>
-              <a:buChar char="※"/>
-            </a:pPr>
-            <a:r>
-              <a:rPr kumimoji="1" lang="ko-KR" altLang="en-US" sz="1400" dirty="0">
-                <a:latin typeface="+mn-ea"/>
-              </a:rPr>
-              <a:t>단축키는 </a:t>
-            </a:r>
-            <a:r>
-              <a:rPr kumimoji="1" lang="en-US" altLang="ko-KR" sz="1400" dirty="0">
-                <a:latin typeface="+mn-ea"/>
-              </a:rPr>
-              <a:t>Mac</a:t>
-            </a:r>
-            <a:r>
-              <a:rPr kumimoji="1" lang="ko-KR" altLang="en-US" sz="1400" dirty="0">
-                <a:latin typeface="+mn-ea"/>
-              </a:rPr>
-              <a:t> </a:t>
-            </a:r>
-            <a:r>
-              <a:rPr kumimoji="1" lang="en-US" altLang="ko-KR" sz="1400" dirty="0">
-                <a:latin typeface="+mn-ea"/>
-              </a:rPr>
-              <a:t>OS</a:t>
-            </a:r>
-            <a:r>
-              <a:rPr kumimoji="1" lang="ko-KR" altLang="en-US" sz="1400" dirty="0" err="1">
-                <a:latin typeface="+mn-ea"/>
-              </a:rPr>
-              <a:t>를</a:t>
-            </a:r>
-            <a:r>
-              <a:rPr kumimoji="1" lang="ko-KR" altLang="en-US" sz="1400" dirty="0">
-                <a:latin typeface="+mn-ea"/>
-              </a:rPr>
-              <a:t> 기준으로 합니다</a:t>
-            </a:r>
-            <a:r>
-              <a:rPr kumimoji="1" lang="en-US" altLang="ko-KR" sz="1400" dirty="0">
-                <a:latin typeface="+mn-ea"/>
-              </a:rPr>
-              <a:t>.</a:t>
-            </a:r>
-            <a:endParaRPr kumimoji="1" lang="ko-Kore-KR" altLang="en-US" sz="1400" dirty="0"/>
           </a:p>
         </p:txBody>
       </p:sp>
@@ -10140,9 +9906,12 @@
               </a:pPr>
               <a:r>
                 <a:rPr kumimoji="1" lang="ko-KR" altLang="en-US" sz="1600" dirty="0"/>
-                <a:t>기존 엑셀 데이터를 피벗 테이블로 변환하는 방법</a:t>
-              </a:r>
-              <a:endParaRPr kumimoji="1" lang="en-US" altLang="ko-KR" sz="1600" dirty="0"/>
+                <a:t>피벗 테이블에 대한 간단한 개념과 기존 엑셀 데이터를 피벗 테이블로 변환하는 방법을 알 수 있다</a:t>
+              </a:r>
+              <a:r>
+                <a:rPr kumimoji="1" lang="en-US" altLang="ko-KR" sz="1600" dirty="0"/>
+                <a:t>.</a:t>
+              </a:r>
             </a:p>
             <a:p>
               <a:pPr marL="285750" indent="-285750">
@@ -10338,84 +10107,6 @@
       </p:sp>
       <p:sp>
         <p:nvSpPr>
-          <p:cNvPr id="27" name="TextBox 26">
-            <a:extLst>
-              <a:ext uri="{FF2B5EF4-FFF2-40B4-BE49-F238E27FC236}">
-                <a16:creationId xmlns:a16="http://schemas.microsoft.com/office/drawing/2014/main" id="{B6C509E4-3513-D34F-BBB8-CD358E70A23C}"/>
-              </a:ext>
-            </a:extLst>
-          </p:cNvPr>
-          <p:cNvSpPr txBox="1"/>
-          <p:nvPr/>
-        </p:nvSpPr>
-        <p:spPr>
-          <a:xfrm>
-            <a:off x="7976812" y="4934418"/>
-            <a:ext cx="3498073" cy="307777"/>
-          </a:xfrm>
-          <a:prstGeom prst="rect">
-            <a:avLst/>
-          </a:prstGeom>
-          <a:noFill/>
-        </p:spPr>
-        <p:txBody>
-          <a:bodyPr wrap="none" rtlCol="0">
-            <a:spAutoFit/>
-          </a:bodyPr>
-          <a:lstStyle/>
-          <a:p>
-            <a:pPr marL="285750" indent="-285750">
-              <a:buFont typeface="시스템 서체 일반체"/>
-              <a:buChar char="※"/>
-            </a:pPr>
-            <a:r>
-              <a:rPr kumimoji="1" lang="ko-KR" altLang="en-US" sz="1400" dirty="0">
-                <a:latin typeface="+mn-ea"/>
-              </a:rPr>
-              <a:t>단축키는 </a:t>
-            </a:r>
-            <a:r>
-              <a:rPr kumimoji="1" lang="en-US" altLang="ko-KR" sz="1400" dirty="0">
-                <a:latin typeface="+mn-ea"/>
-              </a:rPr>
-              <a:t>Mac</a:t>
-            </a:r>
-            <a:r>
-              <a:rPr kumimoji="1" lang="ko-KR" altLang="en-US" sz="1400" dirty="0">
-                <a:latin typeface="+mn-ea"/>
-              </a:rPr>
-              <a:t> </a:t>
-            </a:r>
-            <a:r>
-              <a:rPr kumimoji="1" lang="en-US" altLang="ko-KR" sz="1400" dirty="0">
-                <a:latin typeface="+mn-ea"/>
-              </a:rPr>
-              <a:t>OS</a:t>
-            </a:r>
-            <a:r>
-              <a:rPr kumimoji="1" lang="ko-KR" altLang="en-US" sz="1400" dirty="0" err="1">
-                <a:latin typeface="+mn-ea"/>
-              </a:rPr>
-              <a:t>를</a:t>
-            </a:r>
-            <a:r>
-              <a:rPr kumimoji="1" lang="ko-KR" altLang="en-US" sz="1400" dirty="0">
-                <a:latin typeface="+mn-ea"/>
-              </a:rPr>
-              <a:t> 기준으로 합니다</a:t>
-            </a:r>
-            <a:r>
-              <a:rPr kumimoji="1" lang="en-US" altLang="ko-KR" sz="1400" dirty="0">
-                <a:latin typeface="+mn-ea"/>
-              </a:rPr>
-              <a:t>.</a:t>
-            </a:r>
-            <a:endParaRPr kumimoji="1" lang="ko-Kore-KR" altLang="en-US" sz="1400" dirty="0"/>
-          </a:p>
-        </p:txBody>
-      </p:sp>
-      <p:sp>
-        <p:nvSpPr>
           <p:cNvPr id="96" name="TextBox 95">
             <a:extLst>
               <a:ext uri="{FF2B5EF4-FFF2-40B4-BE49-F238E27FC236}">
@@ -10511,8 +10202,8 @@
         </p:blipFill>
         <p:spPr>
           <a:xfrm>
-            <a:off x="4095006" y="1689278"/>
-            <a:ext cx="4001989" cy="3075862"/>
+            <a:off x="4143003" y="1689278"/>
+            <a:ext cx="3905994" cy="3002082"/>
           </a:xfrm>
           <a:prstGeom prst="rect">
             <a:avLst/>
@@ -10533,10 +10224,10 @@
         </p:nvGrpSpPr>
         <p:grpSpPr>
           <a:xfrm>
-            <a:off x="4076540" y="1401585"/>
-            <a:ext cx="3419481" cy="727962"/>
-            <a:chOff x="1564093" y="1609446"/>
-            <a:chExt cx="3419481" cy="727962"/>
+            <a:off x="4120082" y="1401585"/>
+            <a:ext cx="3375939" cy="727962"/>
+            <a:chOff x="1607635" y="1609446"/>
+            <a:chExt cx="3375939" cy="727962"/>
           </a:xfrm>
         </p:grpSpPr>
         <p:sp>
@@ -10625,10 +10316,10 @@
           </p:nvGrpSpPr>
           <p:grpSpPr>
             <a:xfrm>
-              <a:off x="1564093" y="1786267"/>
-              <a:ext cx="758696" cy="551141"/>
-              <a:chOff x="1564093" y="2011516"/>
-              <a:chExt cx="758696" cy="551141"/>
+              <a:off x="1607635" y="1786267"/>
+              <a:ext cx="754695" cy="551141"/>
+              <a:chOff x="1607635" y="2011516"/>
+              <a:chExt cx="754695" cy="551141"/>
             </a:xfrm>
           </p:grpSpPr>
           <p:grpSp>
@@ -10645,10 +10336,10 @@
             </p:nvGrpSpPr>
             <p:grpSpPr>
               <a:xfrm>
-                <a:off x="1564093" y="2011516"/>
-                <a:ext cx="758696" cy="551141"/>
-                <a:chOff x="1564093" y="1726167"/>
-                <a:chExt cx="758696" cy="551141"/>
+                <a:off x="1607635" y="2011516"/>
+                <a:ext cx="754695" cy="551141"/>
+                <a:chOff x="1607635" y="1726167"/>
+                <a:chExt cx="754695" cy="551141"/>
               </a:xfrm>
             </p:grpSpPr>
             <p:sp>
@@ -10665,7 +10356,7 @@
               </p:nvSpPr>
               <p:spPr>
                 <a:xfrm>
-                  <a:off x="1564093" y="1971527"/>
+                  <a:off x="1607635" y="1971527"/>
                   <a:ext cx="254217" cy="305781"/>
                 </a:xfrm>
                 <a:prstGeom prst="rect">
@@ -10719,7 +10410,7 @@
               </p:nvCxnSpPr>
               <p:spPr>
                 <a:xfrm flipV="1">
-                  <a:off x="1915019" y="1726167"/>
+                  <a:off x="1954560" y="1726167"/>
                   <a:ext cx="407770" cy="96519"/>
                 </a:xfrm>
                 <a:prstGeom prst="straightConnector1">
@@ -10762,7 +10453,7 @@
             </p:nvSpPr>
             <p:spPr>
               <a:xfrm>
-                <a:off x="1737108" y="2105966"/>
+                <a:off x="1776649" y="2105966"/>
                 <a:ext cx="181154" cy="123520"/>
               </a:xfrm>
               <a:prstGeom prst="rect">
@@ -10817,7 +10508,7 @@
         <p:spPr>
           <a:xfrm>
             <a:off x="4512790" y="2964819"/>
-            <a:ext cx="2408709" cy="1811015"/>
+            <a:ext cx="2408709" cy="1737235"/>
           </a:xfrm>
           <a:prstGeom prst="rect">
             <a:avLst/>
@@ -11038,6 +10729,122 @@
           </a:fontRef>
         </p:style>
       </p:cxnSp>
+      <p:grpSp>
+        <p:nvGrpSpPr>
+          <p:cNvPr id="22" name="그룹 21">
+            <a:extLst>
+              <a:ext uri="{FF2B5EF4-FFF2-40B4-BE49-F238E27FC236}">
+                <a16:creationId xmlns:a16="http://schemas.microsoft.com/office/drawing/2014/main" id="{5ECBF4DA-93C2-A641-8DB6-81DF2FE62C95}"/>
+              </a:ext>
+            </a:extLst>
+          </p:cNvPr>
+          <p:cNvGrpSpPr/>
+          <p:nvPr/>
+        </p:nvGrpSpPr>
+        <p:grpSpPr>
+          <a:xfrm>
+            <a:off x="1347373" y="4765117"/>
+            <a:ext cx="8695844" cy="276999"/>
+            <a:chOff x="803638" y="4277875"/>
+            <a:chExt cx="8695844" cy="276999"/>
+          </a:xfrm>
+        </p:grpSpPr>
+        <p:sp>
+          <p:nvSpPr>
+            <p:cNvPr id="23" name="TextBox 22">
+              <a:extLst>
+                <a:ext uri="{FF2B5EF4-FFF2-40B4-BE49-F238E27FC236}">
+                  <a16:creationId xmlns:a16="http://schemas.microsoft.com/office/drawing/2014/main" id="{6B735464-A00F-8146-A5CC-4BC5353C1B64}"/>
+                </a:ext>
+              </a:extLst>
+            </p:cNvPr>
+            <p:cNvSpPr txBox="1"/>
+            <p:nvPr/>
+          </p:nvSpPr>
+          <p:spPr>
+            <a:xfrm>
+              <a:off x="1546664" y="4277875"/>
+              <a:ext cx="7952818" cy="276999"/>
+            </a:xfrm>
+            <a:prstGeom prst="rect">
+              <a:avLst/>
+            </a:prstGeom>
+            <a:noFill/>
+          </p:spPr>
+          <p:txBody>
+            <a:bodyPr wrap="none" rtlCol="0">
+              <a:spAutoFit/>
+            </a:bodyPr>
+            <a:lstStyle/>
+            <a:p>
+              <a:r>
+                <a:rPr kumimoji="1" lang="ko-KR" altLang="en-US" sz="1200" dirty="0"/>
+                <a:t>피벗 테이블은 주어진 데이터를 목적에 맞게 임의대로 정렬하고</a:t>
+              </a:r>
+              <a:r>
+                <a:rPr kumimoji="1" lang="en-US" altLang="ko-KR" sz="1200" dirty="0"/>
+                <a:t>,</a:t>
+              </a:r>
+              <a:r>
+                <a:rPr kumimoji="1" lang="ko-KR" altLang="en-US" sz="1200" dirty="0"/>
+                <a:t> 필터링하여 보기 편하도록 변환할 수 있는 기능이다</a:t>
+              </a:r>
+              <a:r>
+                <a:rPr kumimoji="1" lang="en-US" altLang="ko-KR" sz="1200" dirty="0"/>
+                <a:t>.</a:t>
+              </a:r>
+              <a:endParaRPr kumimoji="1" lang="ko-Kore-KR" altLang="en-US" sz="1200" dirty="0"/>
+            </a:p>
+          </p:txBody>
+        </p:sp>
+        <p:sp>
+          <p:nvSpPr>
+            <p:cNvPr id="24" name="직사각형 23">
+              <a:extLst>
+                <a:ext uri="{FF2B5EF4-FFF2-40B4-BE49-F238E27FC236}">
+                  <a16:creationId xmlns:a16="http://schemas.microsoft.com/office/drawing/2014/main" id="{1967FBD1-839D-9B40-83AC-8C8FEBD5864E}"/>
+                </a:ext>
+              </a:extLst>
+            </p:cNvPr>
+            <p:cNvSpPr/>
+            <p:nvPr/>
+          </p:nvSpPr>
+          <p:spPr>
+            <a:xfrm>
+              <a:off x="803638" y="4277875"/>
+              <a:ext cx="912429" cy="276999"/>
+            </a:xfrm>
+            <a:prstGeom prst="rect">
+              <a:avLst/>
+            </a:prstGeom>
+          </p:spPr>
+          <p:txBody>
+            <a:bodyPr wrap="none">
+              <a:spAutoFit/>
+            </a:bodyPr>
+            <a:lstStyle/>
+            <a:p>
+              <a:r>
+                <a:rPr kumimoji="1" lang="ko-Kore-KR" altLang="en-US" sz="1200" dirty="0"/>
+                <a:t>추가설명</a:t>
+              </a:r>
+              <a:r>
+                <a:rPr kumimoji="1" lang="ko-KR" altLang="en-US" sz="1200" dirty="0"/>
+                <a:t> </a:t>
+              </a:r>
+              <a:r>
+                <a:rPr kumimoji="1" lang="en-US" altLang="ko-KR" sz="1200" dirty="0"/>
+                <a:t>:</a:t>
+              </a:r>
+              <a:r>
+                <a:rPr kumimoji="1" lang="ko-KR" altLang="en-US" sz="1200" dirty="0"/>
+                <a:t> </a:t>
+              </a:r>
+              <a:endParaRPr lang="ko-Kore-KR" altLang="en-US" sz="1200" dirty="0"/>
+            </a:p>
+          </p:txBody>
+        </p:sp>
+      </p:grpSp>
     </p:spTree>
     <p:extLst>
       <p:ext uri="{BB962C8B-B14F-4D97-AF65-F5344CB8AC3E}">
@@ -11325,84 +11132,6 @@
             <a:endParaRPr kumimoji="1" lang="ko-Kore-KR" altLang="en-US" b="1" dirty="0">
               <a:latin typeface="+mj-ea"/>
             </a:endParaRPr>
-          </a:p>
-        </p:txBody>
-      </p:sp>
-      <p:sp>
-        <p:nvSpPr>
-          <p:cNvPr id="27" name="TextBox 26">
-            <a:extLst>
-              <a:ext uri="{FF2B5EF4-FFF2-40B4-BE49-F238E27FC236}">
-                <a16:creationId xmlns:a16="http://schemas.microsoft.com/office/drawing/2014/main" id="{B6C509E4-3513-D34F-BBB8-CD358E70A23C}"/>
-              </a:ext>
-            </a:extLst>
-          </p:cNvPr>
-          <p:cNvSpPr txBox="1"/>
-          <p:nvPr/>
-        </p:nvSpPr>
-        <p:spPr>
-          <a:xfrm>
-            <a:off x="7976812" y="4934418"/>
-            <a:ext cx="3498073" cy="307777"/>
-          </a:xfrm>
-          <a:prstGeom prst="rect">
-            <a:avLst/>
-          </a:prstGeom>
-          <a:noFill/>
-        </p:spPr>
-        <p:txBody>
-          <a:bodyPr wrap="none" rtlCol="0">
-            <a:spAutoFit/>
-          </a:bodyPr>
-          <a:lstStyle/>
-          <a:p>
-            <a:pPr marL="285750" indent="-285750">
-              <a:buFont typeface="시스템 서체 일반체"/>
-              <a:buChar char="※"/>
-            </a:pPr>
-            <a:r>
-              <a:rPr kumimoji="1" lang="ko-KR" altLang="en-US" sz="1400" dirty="0">
-                <a:latin typeface="+mn-ea"/>
-              </a:rPr>
-              <a:t>단축키는 </a:t>
-            </a:r>
-            <a:r>
-              <a:rPr kumimoji="1" lang="en-US" altLang="ko-KR" sz="1400" dirty="0">
-                <a:latin typeface="+mn-ea"/>
-              </a:rPr>
-              <a:t>Mac</a:t>
-            </a:r>
-            <a:r>
-              <a:rPr kumimoji="1" lang="ko-KR" altLang="en-US" sz="1400" dirty="0">
-                <a:latin typeface="+mn-ea"/>
-              </a:rPr>
-              <a:t> </a:t>
-            </a:r>
-            <a:r>
-              <a:rPr kumimoji="1" lang="en-US" altLang="ko-KR" sz="1400" dirty="0">
-                <a:latin typeface="+mn-ea"/>
-              </a:rPr>
-              <a:t>OS</a:t>
-            </a:r>
-            <a:r>
-              <a:rPr kumimoji="1" lang="ko-KR" altLang="en-US" sz="1400" dirty="0" err="1">
-                <a:latin typeface="+mn-ea"/>
-              </a:rPr>
-              <a:t>를</a:t>
-            </a:r>
-            <a:r>
-              <a:rPr kumimoji="1" lang="ko-KR" altLang="en-US" sz="1400" dirty="0">
-                <a:latin typeface="+mn-ea"/>
-              </a:rPr>
-              <a:t> 기준으로 합니다</a:t>
-            </a:r>
-            <a:r>
-              <a:rPr kumimoji="1" lang="en-US" altLang="ko-KR" sz="1400" dirty="0">
-                <a:latin typeface="+mn-ea"/>
-              </a:rPr>
-              <a:t>.</a:t>
-            </a:r>
-            <a:endParaRPr kumimoji="1" lang="ko-Kore-KR" altLang="en-US" sz="1400" dirty="0"/>
           </a:p>
         </p:txBody>
       </p:sp>
@@ -13383,84 +13112,6 @@
             <a:endParaRPr kumimoji="1" lang="ko-Kore-KR" altLang="en-US" b="1" dirty="0">
               <a:latin typeface="+mj-ea"/>
             </a:endParaRPr>
-          </a:p>
-        </p:txBody>
-      </p:sp>
-      <p:sp>
-        <p:nvSpPr>
-          <p:cNvPr id="27" name="TextBox 26">
-            <a:extLst>
-              <a:ext uri="{FF2B5EF4-FFF2-40B4-BE49-F238E27FC236}">
-                <a16:creationId xmlns:a16="http://schemas.microsoft.com/office/drawing/2014/main" id="{B6C509E4-3513-D34F-BBB8-CD358E70A23C}"/>
-              </a:ext>
-            </a:extLst>
-          </p:cNvPr>
-          <p:cNvSpPr txBox="1"/>
-          <p:nvPr/>
-        </p:nvSpPr>
-        <p:spPr>
-          <a:xfrm>
-            <a:off x="7976812" y="4934418"/>
-            <a:ext cx="3498073" cy="307777"/>
-          </a:xfrm>
-          <a:prstGeom prst="rect">
-            <a:avLst/>
-          </a:prstGeom>
-          <a:noFill/>
-        </p:spPr>
-        <p:txBody>
-          <a:bodyPr wrap="none" rtlCol="0">
-            <a:spAutoFit/>
-          </a:bodyPr>
-          <a:lstStyle/>
-          <a:p>
-            <a:pPr marL="285750" indent="-285750">
-              <a:buFont typeface="시스템 서체 일반체"/>
-              <a:buChar char="※"/>
-            </a:pPr>
-            <a:r>
-              <a:rPr kumimoji="1" lang="ko-KR" altLang="en-US" sz="1400" dirty="0">
-                <a:latin typeface="+mn-ea"/>
-              </a:rPr>
-              <a:t>단축키는 </a:t>
-            </a:r>
-            <a:r>
-              <a:rPr kumimoji="1" lang="en-US" altLang="ko-KR" sz="1400" dirty="0">
-                <a:latin typeface="+mn-ea"/>
-              </a:rPr>
-              <a:t>Mac</a:t>
-            </a:r>
-            <a:r>
-              <a:rPr kumimoji="1" lang="ko-KR" altLang="en-US" sz="1400" dirty="0">
-                <a:latin typeface="+mn-ea"/>
-              </a:rPr>
-              <a:t> </a:t>
-            </a:r>
-            <a:r>
-              <a:rPr kumimoji="1" lang="en-US" altLang="ko-KR" sz="1400" dirty="0">
-                <a:latin typeface="+mn-ea"/>
-              </a:rPr>
-              <a:t>OS</a:t>
-            </a:r>
-            <a:r>
-              <a:rPr kumimoji="1" lang="ko-KR" altLang="en-US" sz="1400" dirty="0" err="1">
-                <a:latin typeface="+mn-ea"/>
-              </a:rPr>
-              <a:t>를</a:t>
-            </a:r>
-            <a:r>
-              <a:rPr kumimoji="1" lang="ko-KR" altLang="en-US" sz="1400" dirty="0">
-                <a:latin typeface="+mn-ea"/>
-              </a:rPr>
-              <a:t> 기준으로 합니다</a:t>
-            </a:r>
-            <a:r>
-              <a:rPr kumimoji="1" lang="en-US" altLang="ko-KR" sz="1400" dirty="0">
-                <a:latin typeface="+mn-ea"/>
-              </a:rPr>
-              <a:t>.</a:t>
-            </a:r>
-            <a:endParaRPr kumimoji="1" lang="ko-Kore-KR" altLang="en-US" sz="1400" dirty="0"/>
           </a:p>
         </p:txBody>
       </p:sp>
